--- a/Final Presentation - Shane McVeigh.pptx
+++ b/Final Presentation - Shane McVeigh.pptx
@@ -111,6 +111,11 @@
       </a:defRPr>
     </a:lvl9pPr>
   </p:defaultTextStyle>
+  <p:extLst>
+    <p:ext uri="{EFAFB233-063F-42B5-8137-9DF3F51BA10A}">
+      <p15:sldGuideLst xmlns:p15="http://schemas.microsoft.com/office/powerpoint/2012/main"/>
+    </p:ext>
+  </p:extLst>
 </p:presentation>
 </file>
 
@@ -408,6 +413,13 @@
             <a:noFill/>
           </a:ln>
         </p:spPr>
+        <p:txBody>
+          <a:bodyPr/>
+          <a:lstStyle/>
+          <a:p>
+            <a:endParaRPr lang="en-US"/>
+          </a:p>
+        </p:txBody>
       </p:sp>
       <p:sp>
         <p:nvSpPr>
@@ -5287,6 +5299,13 @@
               <a:noFill/>
             </a:ln>
           </p:spPr>
+          <p:txBody>
+            <a:bodyPr/>
+            <a:lstStyle/>
+            <a:p>
+              <a:endParaRPr lang="en-US"/>
+            </a:p>
+          </p:txBody>
         </p:sp>
         <p:sp>
           <p:nvSpPr>
@@ -5353,6 +5372,13 @@
               <a:noFill/>
             </a:ln>
           </p:spPr>
+          <p:txBody>
+            <a:bodyPr/>
+            <a:lstStyle/>
+            <a:p>
+              <a:endParaRPr lang="en-US"/>
+            </a:p>
+          </p:txBody>
         </p:sp>
         <p:sp>
           <p:nvSpPr>
@@ -5424,6 +5450,13 @@
               <a:noFill/>
             </a:ln>
           </p:spPr>
+          <p:txBody>
+            <a:bodyPr/>
+            <a:lstStyle/>
+            <a:p>
+              <a:endParaRPr lang="en-US"/>
+            </a:p>
+          </p:txBody>
         </p:sp>
         <p:sp>
           <p:nvSpPr>
@@ -5475,6 +5508,13 @@
               <a:noFill/>
             </a:ln>
           </p:spPr>
+          <p:txBody>
+            <a:bodyPr/>
+            <a:lstStyle/>
+            <a:p>
+              <a:endParaRPr lang="en-US"/>
+            </a:p>
+          </p:txBody>
         </p:sp>
         <p:sp>
           <p:nvSpPr>
@@ -5561,6 +5601,13 @@
               <a:noFill/>
             </a:ln>
           </p:spPr>
+          <p:txBody>
+            <a:bodyPr/>
+            <a:lstStyle/>
+            <a:p>
+              <a:endParaRPr lang="en-US"/>
+            </a:p>
+          </p:txBody>
         </p:sp>
         <p:sp>
           <p:nvSpPr>
@@ -5642,6 +5689,13 @@
               <a:noFill/>
             </a:ln>
           </p:spPr>
+          <p:txBody>
+            <a:bodyPr/>
+            <a:lstStyle/>
+            <a:p>
+              <a:endParaRPr lang="en-US"/>
+            </a:p>
+          </p:txBody>
         </p:sp>
         <p:sp>
           <p:nvSpPr>
@@ -5703,6 +5757,13 @@
               <a:noFill/>
             </a:ln>
           </p:spPr>
+          <p:txBody>
+            <a:bodyPr/>
+            <a:lstStyle/>
+            <a:p>
+              <a:endParaRPr lang="en-US"/>
+            </a:p>
+          </p:txBody>
         </p:sp>
         <p:sp>
           <p:nvSpPr>
@@ -5784,6 +5845,13 @@
               <a:noFill/>
             </a:ln>
           </p:spPr>
+          <p:txBody>
+            <a:bodyPr/>
+            <a:lstStyle/>
+            <a:p>
+              <a:endParaRPr lang="en-US"/>
+            </a:p>
+          </p:txBody>
         </p:sp>
         <p:sp>
           <p:nvSpPr>
@@ -5900,6 +5968,13 @@
               <a:noFill/>
             </a:ln>
           </p:spPr>
+          <p:txBody>
+            <a:bodyPr/>
+            <a:lstStyle/>
+            <a:p>
+              <a:endParaRPr lang="en-US"/>
+            </a:p>
+          </p:txBody>
         </p:sp>
         <p:sp>
           <p:nvSpPr>
@@ -5951,6 +6026,13 @@
               <a:noFill/>
             </a:ln>
           </p:spPr>
+          <p:txBody>
+            <a:bodyPr/>
+            <a:lstStyle/>
+            <a:p>
+              <a:endParaRPr lang="en-US"/>
+            </a:p>
+          </p:txBody>
         </p:sp>
         <p:sp>
           <p:nvSpPr>
@@ -6012,6 +6094,13 @@
               <a:noFill/>
             </a:ln>
           </p:spPr>
+          <p:txBody>
+            <a:bodyPr/>
+            <a:lstStyle/>
+            <a:p>
+              <a:endParaRPr lang="en-US"/>
+            </a:p>
+          </p:txBody>
         </p:sp>
         <p:sp>
           <p:nvSpPr>
@@ -6083,6 +6172,13 @@
               <a:noFill/>
             </a:ln>
           </p:spPr>
+          <p:txBody>
+            <a:bodyPr/>
+            <a:lstStyle/>
+            <a:p>
+              <a:endParaRPr lang="en-US"/>
+            </a:p>
+          </p:txBody>
         </p:sp>
       </p:grpSp>
       <p:grpSp>
@@ -6202,6 +6298,13 @@
               <a:noFill/>
             </a:ln>
           </p:spPr>
+          <p:txBody>
+            <a:bodyPr/>
+            <a:lstStyle/>
+            <a:p>
+              <a:endParaRPr lang="en-US"/>
+            </a:p>
+          </p:txBody>
         </p:sp>
         <p:sp>
           <p:nvSpPr>
@@ -6271,6 +6374,13 @@
               <a:noFill/>
             </a:ln>
           </p:spPr>
+          <p:txBody>
+            <a:bodyPr/>
+            <a:lstStyle/>
+            <a:p>
+              <a:endParaRPr lang="en-US"/>
+            </a:p>
+          </p:txBody>
         </p:sp>
         <p:sp>
           <p:nvSpPr>
@@ -6340,6 +6450,13 @@
               <a:noFill/>
             </a:ln>
           </p:spPr>
+          <p:txBody>
+            <a:bodyPr/>
+            <a:lstStyle/>
+            <a:p>
+              <a:endParaRPr lang="en-US"/>
+            </a:p>
+          </p:txBody>
         </p:sp>
         <p:sp>
           <p:nvSpPr>
@@ -6424,6 +6541,13 @@
               <a:noFill/>
             </a:ln>
           </p:spPr>
+          <p:txBody>
+            <a:bodyPr/>
+            <a:lstStyle/>
+            <a:p>
+              <a:endParaRPr lang="en-US"/>
+            </a:p>
+          </p:txBody>
         </p:sp>
         <p:sp>
           <p:nvSpPr>
@@ -6518,6 +6642,13 @@
               <a:noFill/>
             </a:ln>
           </p:spPr>
+          <p:txBody>
+            <a:bodyPr/>
+            <a:lstStyle/>
+            <a:p>
+              <a:endParaRPr lang="en-US"/>
+            </a:p>
+          </p:txBody>
         </p:sp>
         <p:sp>
           <p:nvSpPr>
@@ -6567,6 +6698,13 @@
               <a:noFill/>
             </a:ln>
           </p:spPr>
+          <p:txBody>
+            <a:bodyPr/>
+            <a:lstStyle/>
+            <a:p>
+              <a:endParaRPr lang="en-US"/>
+            </a:p>
+          </p:txBody>
         </p:sp>
         <p:sp>
           <p:nvSpPr>
@@ -6631,6 +6769,13 @@
               <a:noFill/>
             </a:ln>
           </p:spPr>
+          <p:txBody>
+            <a:bodyPr/>
+            <a:lstStyle/>
+            <a:p>
+              <a:endParaRPr lang="en-US"/>
+            </a:p>
+          </p:txBody>
         </p:sp>
         <p:sp>
           <p:nvSpPr>
@@ -6740,6 +6885,13 @@
               <a:noFill/>
             </a:ln>
           </p:spPr>
+          <p:txBody>
+            <a:bodyPr/>
+            <a:lstStyle/>
+            <a:p>
+              <a:endParaRPr lang="en-US"/>
+            </a:p>
+          </p:txBody>
         </p:sp>
         <p:sp>
           <p:nvSpPr>
@@ -6789,6 +6941,13 @@
               <a:noFill/>
             </a:ln>
           </p:spPr>
+          <p:txBody>
+            <a:bodyPr/>
+            <a:lstStyle/>
+            <a:p>
+              <a:endParaRPr lang="en-US"/>
+            </a:p>
+          </p:txBody>
         </p:sp>
         <p:sp>
           <p:nvSpPr>
@@ -6858,6 +7017,13 @@
               <a:noFill/>
             </a:ln>
           </p:spPr>
+          <p:txBody>
+            <a:bodyPr/>
+            <a:lstStyle/>
+            <a:p>
+              <a:endParaRPr lang="en-US"/>
+            </a:p>
+          </p:txBody>
         </p:sp>
         <p:sp>
           <p:nvSpPr>
@@ -6922,6 +7088,13 @@
               <a:noFill/>
             </a:ln>
           </p:spPr>
+          <p:txBody>
+            <a:bodyPr/>
+            <a:lstStyle/>
+            <a:p>
+              <a:endParaRPr lang="en-US"/>
+            </a:p>
+          </p:txBody>
         </p:sp>
         <p:sp>
           <p:nvSpPr>
@@ -6991,6 +7164,13 @@
               <a:noFill/>
             </a:ln>
           </p:spPr>
+          <p:txBody>
+            <a:bodyPr/>
+            <a:lstStyle/>
+            <a:p>
+              <a:endParaRPr lang="en-US"/>
+            </a:p>
+          </p:txBody>
         </p:sp>
       </p:grpSp>
       <p:sp>
@@ -7029,6 +7209,13 @@
             <a:schemeClr val="lt1"/>
           </a:fontRef>
         </p:style>
+        <p:txBody>
+          <a:bodyPr/>
+          <a:lstStyle/>
+          <a:p>
+            <a:endParaRPr lang="en-US"/>
+          </a:p>
+        </p:txBody>
       </p:sp>
       <p:sp>
         <p:nvSpPr>
@@ -13903,7 +14090,12 @@
             <p:ph type="title"/>
           </p:nvPr>
         </p:nvSpPr>
-        <p:spPr/>
+        <p:spPr>
+          <a:xfrm>
+            <a:off x="1970087" y="436563"/>
+            <a:ext cx="3505199" cy="976312"/>
+          </a:xfrm>
+        </p:spPr>
         <p:txBody>
           <a:bodyPr>
             <a:normAutofit fontScale="90000"/>
@@ -13917,31 +14109,41 @@
           </a:p>
         </p:txBody>
       </p:sp>
-      <p:sp>
-        <p:nvSpPr>
-          <p:cNvPr id="3" name="Content Placeholder 2">
+      <p:pic>
+        <p:nvPicPr>
+          <p:cNvPr id="6" name="Content Placeholder 5" descr="A graph of different colored lines&#10;&#10;AI-generated content may be incorrect.">
             <a:extLst>
               <a:ext uri="{FF2B5EF4-FFF2-40B4-BE49-F238E27FC236}">
-                <a16:creationId xmlns:a16="http://schemas.microsoft.com/office/drawing/2014/main" id="{D485A48B-9404-5621-2113-426FA61F3DC9}"/>
+                <a16:creationId xmlns:a16="http://schemas.microsoft.com/office/drawing/2014/main" id="{040467D1-2B3B-EFDD-8956-53400153ADFC}"/>
               </a:ext>
             </a:extLst>
           </p:cNvPr>
-          <p:cNvSpPr>
-            <a:spLocks noGrp="1"/>
-          </p:cNvSpPr>
+          <p:cNvPicPr>
+            <a:picLocks noGrp="1" noChangeAspect="1"/>
+          </p:cNvPicPr>
           <p:nvPr>
             <p:ph idx="1"/>
           </p:nvPr>
-        </p:nvSpPr>
-        <p:spPr/>
-        <p:txBody>
-          <a:bodyPr/>
-          <a:lstStyle/>
-          <a:p>
-            <a:endParaRPr lang="en-US"/>
-          </a:p>
-        </p:txBody>
-      </p:sp>
+        </p:nvPicPr>
+        <p:blipFill>
+          <a:blip r:embed="rId2">
+            <a:extLst>
+              <a:ext uri="{28A0092B-C50C-407E-A947-70E740481C1C}">
+                <a14:useLocalDpi xmlns:a14="http://schemas.microsoft.com/office/drawing/2010/main" val="0"/>
+              </a:ext>
+            </a:extLst>
+          </a:blip>
+          <a:stretch>
+            <a:fillRect/>
+          </a:stretch>
+        </p:blipFill>
+        <p:spPr>
+          <a:xfrm>
+            <a:off x="6332538" y="838200"/>
+            <a:ext cx="5181600" cy="2590800"/>
+          </a:xfrm>
+        </p:spPr>
+      </p:pic>
       <p:sp>
         <p:nvSpPr>
           <p:cNvPr id="4" name="Text Placeholder 3">
@@ -13958,10 +14160,15 @@
             <p:ph type="body" sz="half" idx="2"/>
           </p:nvPr>
         </p:nvSpPr>
-        <p:spPr/>
+        <p:spPr>
+          <a:xfrm>
+            <a:off x="1019176" y="1598613"/>
+            <a:ext cx="5075236" cy="4262436"/>
+          </a:xfrm>
+        </p:spPr>
         <p:txBody>
           <a:bodyPr>
-            <a:normAutofit lnSpcReduction="10000"/>
+            <a:normAutofit fontScale="92500" lnSpcReduction="20000"/>
           </a:bodyPr>
           <a:lstStyle/>
           <a:p>
@@ -14044,8 +14251,64 @@
               <a:t>This has existed for &lt; 1,000 years</a:t>
             </a:r>
           </a:p>
+          <a:p>
+            <a:pPr marL="742950" lvl="1" indent="-285750">
+              <a:buFont typeface="Arial" panose="020B0604020202020204" pitchFamily="34" charset="0"/>
+              <a:buChar char="•"/>
+            </a:pPr>
+            <a:r>
+              <a:rPr lang="en-US" sz="1600" dirty="0"/>
+              <a:t>French defense (C00) has declined in popularity</a:t>
+            </a:r>
+          </a:p>
+          <a:p>
+            <a:pPr marL="742950" lvl="1" indent="-285750">
+              <a:buFont typeface="Arial" panose="020B0604020202020204" pitchFamily="34" charset="0"/>
+              <a:buChar char="•"/>
+            </a:pPr>
+            <a:r>
+              <a:rPr lang="en-US" sz="1600" dirty="0"/>
+              <a:t>Caro-Kann (B10) has increased in popularity</a:t>
+            </a:r>
+          </a:p>
         </p:txBody>
       </p:sp>
+      <p:pic>
+        <p:nvPicPr>
+          <p:cNvPr id="8" name="Picture 7" descr="A graph of different colored lines&#10;&#10;AI-generated content may be incorrect.">
+            <a:extLst>
+              <a:ext uri="{FF2B5EF4-FFF2-40B4-BE49-F238E27FC236}">
+                <a16:creationId xmlns:a16="http://schemas.microsoft.com/office/drawing/2014/main" id="{53C423C3-31EA-8487-77BC-49550DE41147}"/>
+              </a:ext>
+            </a:extLst>
+          </p:cNvPr>
+          <p:cNvPicPr>
+            <a:picLocks noChangeAspect="1"/>
+          </p:cNvPicPr>
+          <p:nvPr/>
+        </p:nvPicPr>
+        <p:blipFill>
+          <a:blip r:embed="rId3">
+            <a:extLst>
+              <a:ext uri="{28A0092B-C50C-407E-A947-70E740481C1C}">
+                <a14:useLocalDpi xmlns:a14="http://schemas.microsoft.com/office/drawing/2010/main" val="0"/>
+              </a:ext>
+            </a:extLst>
+          </a:blip>
+          <a:stretch>
+            <a:fillRect/>
+          </a:stretch>
+        </p:blipFill>
+        <p:spPr>
+          <a:xfrm>
+            <a:off x="6332538" y="3581405"/>
+            <a:ext cx="5181600" cy="2590800"/>
+          </a:xfrm>
+          <a:prstGeom prst="rect">
+            <a:avLst/>
+          </a:prstGeom>
+        </p:spPr>
+      </p:pic>
     </p:spTree>
     <p:extLst>
       <p:ext uri="{BB962C8B-B14F-4D97-AF65-F5344CB8AC3E}">
